--- a/Finance Tracker Bot (презентация).pptx
+++ b/Finance Tracker Bot (презентация).pptx
@@ -9445,9 +9445,16 @@
 <file path=customXml/itemProps1.xml><?xml version="1.0" encoding="utf-8"?>
 <ds:datastoreItem xmlns:ds="http://schemas.openxmlformats.org/officeDocument/2006/customXml" ds:itemID="{D7023227-530E-4024-91EF-312A851A758C}">
   <ds:schemaRefs>
+    <ds:schemaRef ds:uri="http://schemas.microsoft.com/office/infopath/2007/PartnerControls"/>
+    <ds:schemaRef ds:uri="http://purl.org/dc/dcmitype/"/>
+    <ds:schemaRef ds:uri="16c05727-aa75-4e4a-9b5f-8a80a1165891"/>
+    <ds:schemaRef ds:uri="http://schemas.microsoft.com/office/2006/documentManagement/types"/>
     <ds:schemaRef ds:uri="http://schemas.microsoft.com/office/2006/metadata/properties"/>
-    <ds:schemaRef ds:uri="http://schemas.microsoft.com/office/infopath/2007/PartnerControls"/>
     <ds:schemaRef ds:uri="71af3243-3dd4-4a8d-8c0d-dd76da1f02a5"/>
+    <ds:schemaRef ds:uri="http://www.w3.org/XML/1998/namespace"/>
+    <ds:schemaRef ds:uri="http://schemas.openxmlformats.org/package/2006/metadata/core-properties"/>
+    <ds:schemaRef ds:uri="http://purl.org/dc/terms/"/>
+    <ds:schemaRef ds:uri="http://purl.org/dc/elements/1.1/"/>
   </ds:schemaRefs>
 </ds:datastoreItem>
 </file>
